--- a/lectures/Lecture 4.pptx
+++ b/lectures/Lecture 4.pptx
@@ -213,7 +213,7 @@
           <a:p>
             <a:fld id="{C3414CF5-850C-4BDB-8F33-E8B3323FAE60}" type="datetimeFigureOut">
               <a:rPr lang="en-IN" smtClean="0"/>
-              <a:t>05-01-2025</a:t>
+              <a:t>13-01-2025</a:t>
             </a:fld>
             <a:endParaRPr lang="en-IN"/>
           </a:p>
@@ -707,7 +707,7 @@
           <a:p>
             <a:fld id="{429A5D41-8729-4C17-916F-459D01A23D81}" type="datetime1">
               <a:rPr lang="en-US" smtClean="0"/>
-              <a:t>1/5/2025</a:t>
+              <a:t>1/13/2025</a:t>
             </a:fld>
             <a:endParaRPr lang="en-US" dirty="0"/>
           </a:p>
@@ -916,7 +916,7 @@
           <a:p>
             <a:fld id="{5753B540-F2D7-4828-8B8D-C15E9A3E2C61}" type="datetime1">
               <a:rPr lang="en-US" smtClean="0"/>
-              <a:t>1/5/2025</a:t>
+              <a:t>1/13/2025</a:t>
             </a:fld>
             <a:endParaRPr lang="en-US" dirty="0"/>
           </a:p>
@@ -1173,7 +1173,7 @@
           <a:p>
             <a:fld id="{EAC62D55-E736-4372-A251-0A12793CF494}" type="datetime1">
               <a:rPr lang="en-US" smtClean="0"/>
-              <a:t>1/5/2025</a:t>
+              <a:t>1/13/2025</a:t>
             </a:fld>
             <a:endParaRPr lang="en-US" dirty="0"/>
           </a:p>
@@ -1348,7 +1348,7 @@
           <a:p>
             <a:fld id="{63E4C0EE-F24C-4E5F-9FE1-C3F0BA329851}" type="datetime1">
               <a:rPr lang="en-US" smtClean="0"/>
-              <a:t>1/5/2025</a:t>
+              <a:t>1/13/2025</a:t>
             </a:fld>
             <a:endParaRPr lang="en-US" dirty="0"/>
           </a:p>
@@ -1692,7 +1692,7 @@
           <a:p>
             <a:fld id="{457DF479-1E5D-47E7-A751-2FC09F4A3DDB}" type="datetime1">
               <a:rPr lang="en-US" smtClean="0"/>
-              <a:t>1/5/2025</a:t>
+              <a:t>1/13/2025</a:t>
             </a:fld>
             <a:endParaRPr lang="en-US" dirty="0"/>
           </a:p>
@@ -1968,7 +1968,7 @@
           <a:p>
             <a:fld id="{992402DF-C849-467F-9A8E-32E25D62CB09}" type="datetime1">
               <a:rPr lang="en-US" smtClean="0"/>
-              <a:t>1/5/2025</a:t>
+              <a:t>1/13/2025</a:t>
             </a:fld>
             <a:endParaRPr lang="en-US" dirty="0"/>
           </a:p>
@@ -2348,7 +2348,7 @@
           <a:p>
             <a:fld id="{A293EA5A-6C92-4909-8FAC-7E58EC2D03E1}" type="datetime1">
               <a:rPr lang="en-US" smtClean="0"/>
-              <a:t>1/5/2025</a:t>
+              <a:t>1/13/2025</a:t>
             </a:fld>
             <a:endParaRPr lang="en-US" dirty="0"/>
           </a:p>
@@ -2467,7 +2467,7 @@
           <a:p>
             <a:fld id="{70A8AD4E-C5A2-4403-BC20-BA1CE81CDC2C}" type="datetime1">
               <a:rPr lang="en-US" smtClean="0"/>
-              <a:t>1/5/2025</a:t>
+              <a:t>1/13/2025</a:t>
             </a:fld>
             <a:endParaRPr lang="en-US" dirty="0"/>
           </a:p>
@@ -2639,7 +2639,7 @@
           <a:p>
             <a:fld id="{4F472000-4CF3-4135-949E-DC520DE5EBF4}" type="datetime1">
               <a:rPr lang="en-US" smtClean="0"/>
-              <a:t>1/5/2025</a:t>
+              <a:t>1/13/2025</a:t>
             </a:fld>
             <a:endParaRPr lang="en-US" dirty="0"/>
           </a:p>
@@ -2994,7 +2994,7 @@
           <a:p>
             <a:fld id="{0CDBDE86-A82F-41D7-B636-8905D0F66483}" type="datetime1">
               <a:rPr lang="en-US" smtClean="0"/>
-              <a:t>1/5/2025</a:t>
+              <a:t>1/13/2025</a:t>
             </a:fld>
             <a:endParaRPr lang="en-US" dirty="0"/>
           </a:p>
@@ -3377,7 +3377,7 @@
           <a:p>
             <a:fld id="{8E67926B-FF34-4F10-9C75-E107ABD6DE08}" type="datetime1">
               <a:rPr lang="en-US" smtClean="0"/>
-              <a:t>1/5/2025</a:t>
+              <a:t>1/13/2025</a:t>
             </a:fld>
             <a:endParaRPr lang="en-US" dirty="0"/>
           </a:p>
@@ -3665,7 +3665,7 @@
           <a:p>
             <a:fld id="{3CEBCAE5-D202-4388-A4F1-4D402F839447}" type="datetime1">
               <a:rPr lang="en-US" smtClean="0"/>
-              <a:t>1/5/2025</a:t>
+              <a:t>1/13/2025</a:t>
             </a:fld>
             <a:endParaRPr lang="en-US" dirty="0"/>
           </a:p>
@@ -4281,7 +4281,7 @@
           <a:p>
             <a:fld id="{D5AD4F8E-0C1A-4BCE-BB95-04999EBA355D}" type="datetime1">
               <a:rPr lang="en-US" smtClean="0"/>
-              <a:t>1/5/2025</a:t>
+              <a:t>1/13/2025</a:t>
             </a:fld>
             <a:endParaRPr lang="en-US" dirty="0"/>
           </a:p>
@@ -4457,7 +4457,7 @@
           <a:p>
             <a:fld id="{A1290BFD-AFE0-4C5F-923D-F1865DDDA09A}" type="datetime1">
               <a:rPr lang="en-US" smtClean="0"/>
-              <a:t>1/5/2025</a:t>
+              <a:t>1/13/2025</a:t>
             </a:fld>
             <a:endParaRPr lang="en-US" dirty="0"/>
           </a:p>
@@ -4611,7 +4611,7 @@
           <a:p>
             <a:fld id="{4A016F6A-5230-44D7-AD8A-8CCBF0A995A9}" type="datetime1">
               <a:rPr lang="en-US" smtClean="0"/>
-              <a:t>1/5/2025</a:t>
+              <a:t>1/13/2025</a:t>
             </a:fld>
             <a:endParaRPr lang="en-US" dirty="0"/>
           </a:p>
@@ -4876,7 +4876,7 @@
           <a:p>
             <a:fld id="{8BA023CE-D146-45A6-92E4-2AE9F66F3C36}" type="datetime1">
               <a:rPr lang="en-US" smtClean="0"/>
-              <a:t>1/5/2025</a:t>
+              <a:t>1/13/2025</a:t>
             </a:fld>
             <a:endParaRPr lang="en-US" dirty="0"/>
           </a:p>
@@ -5031,7 +5031,7 @@
           <a:p>
             <a:fld id="{A0E6166F-2FE1-4B14-AB64-53C6951F26FF}" type="datetime1">
               <a:rPr lang="en-US" smtClean="0"/>
-              <a:t>1/5/2025</a:t>
+              <a:t>1/13/2025</a:t>
             </a:fld>
             <a:endParaRPr lang="en-US" dirty="0"/>
           </a:p>
@@ -5254,7 +5254,7 @@
           <a:p>
             <a:fld id="{D57A3568-D78A-4479-9129-D5B1C124BF60}" type="datetime1">
               <a:rPr lang="en-US" smtClean="0"/>
-              <a:t>1/5/2025</a:t>
+              <a:t>1/13/2025</a:t>
             </a:fld>
             <a:endParaRPr lang="en-US" dirty="0"/>
           </a:p>
@@ -5502,7 +5502,7 @@
           <a:p>
             <a:fld id="{E0F0D36B-5BCD-47DC-9A23-6D7FDB25DAF5}" type="datetime1">
               <a:rPr lang="en-US" smtClean="0"/>
-              <a:t>1/5/2025</a:t>
+              <a:t>1/13/2025</a:t>
             </a:fld>
             <a:endParaRPr lang="en-US" dirty="0"/>
           </a:p>
@@ -5759,7 +5759,7 @@
           <a:p>
             <a:fld id="{96BC29DF-A503-4314-BD10-89A5D10472EC}" type="datetime1">
               <a:rPr lang="en-US" smtClean="0"/>
-              <a:t>1/5/2025</a:t>
+              <a:t>1/13/2025</a:t>
             </a:fld>
             <a:endParaRPr lang="en-US" dirty="0"/>
           </a:p>
@@ -5914,7 +5914,7 @@
           <a:p>
             <a:fld id="{2905950A-5BA5-4150-AE37-E1C34EC2F7C0}" type="datetime1">
               <a:rPr lang="en-US" smtClean="0"/>
-              <a:t>1/5/2025</a:t>
+              <a:t>1/13/2025</a:t>
             </a:fld>
             <a:endParaRPr lang="en-US" dirty="0"/>
           </a:p>
@@ -6122,7 +6122,7 @@
           <a:p>
             <a:fld id="{0A67A041-5576-411E-A221-541B1DE9D282}" type="datetime1">
               <a:rPr lang="en-US" smtClean="0"/>
-              <a:t>1/5/2025</a:t>
+              <a:t>1/13/2025</a:t>
             </a:fld>
             <a:endParaRPr lang="en-US" dirty="0"/>
           </a:p>
@@ -6318,7 +6318,7 @@
           <a:p>
             <a:fld id="{39E88E90-1F77-4246-A429-C932A2F59472}" type="datetime1">
               <a:rPr lang="en-US" smtClean="0"/>
-              <a:t>1/5/2025</a:t>
+              <a:t>1/13/2025</a:t>
             </a:fld>
             <a:endParaRPr lang="en-US" dirty="0"/>
           </a:p>
@@ -6460,7 +6460,7 @@
           <a:p>
             <a:fld id="{A5E86F07-4C55-4259-9C68-3BCF621C7FDD}" type="datetime1">
               <a:rPr lang="en-US" smtClean="0"/>
-              <a:t>1/5/2025</a:t>
+              <a:t>1/13/2025</a:t>
             </a:fld>
             <a:endParaRPr lang="en-US" dirty="0"/>
           </a:p>
@@ -6661,7 +6661,7 @@
           <a:p>
             <a:fld id="{A7FDAB2B-2864-490D-943D-4AE1EE9667F3}" type="datetime1">
               <a:rPr lang="en-US" smtClean="0"/>
-              <a:t>1/5/2025</a:t>
+              <a:t>1/13/2025</a:t>
             </a:fld>
             <a:endParaRPr lang="en-US" dirty="0"/>
           </a:p>
@@ -6868,7 +6868,7 @@
           <a:p>
             <a:fld id="{D64C8CA0-C34E-4355-8E65-8C8F053D2F6F}" type="datetime1">
               <a:rPr lang="en-US" smtClean="0"/>
-              <a:t>1/5/2025</a:t>
+              <a:t>1/13/2025</a:t>
             </a:fld>
             <a:endParaRPr lang="en-US" dirty="0"/>
           </a:p>
@@ -7016,7 +7016,7 @@
           <a:p>
             <a:fld id="{DEB23700-C64F-4318-B280-613E6F376B31}" type="datetime1">
               <a:rPr lang="en-US" smtClean="0"/>
-              <a:t>1/5/2025</a:t>
+              <a:t>1/13/2025</a:t>
             </a:fld>
             <a:endParaRPr lang="en-US" dirty="0"/>
           </a:p>
@@ -7244,7 +7244,7 @@
           <a:p>
             <a:fld id="{1DAE31D4-2D6F-49BD-B73F-0DE9464BAF06}" type="datetime1">
               <a:rPr lang="en-US" smtClean="0"/>
-              <a:t>1/5/2025</a:t>
+              <a:t>1/13/2025</a:t>
             </a:fld>
             <a:endParaRPr lang="en-US" dirty="0"/>
           </a:p>
@@ -7423,7 +7423,7 @@
           <a:p>
             <a:fld id="{34CCEDE9-7E1C-45B9-B8D1-B8D42EFAA650}" type="datetime1">
               <a:rPr lang="en-US" smtClean="0"/>
-              <a:t>1/5/2025</a:t>
+              <a:t>1/13/2025</a:t>
             </a:fld>
             <a:endParaRPr lang="en-US" dirty="0"/>
           </a:p>
